--- a/posters/privacy_day_cmu_2017.pptx
+++ b/posters/privacy_day_cmu_2017.pptx
@@ -5110,7 +5110,7 @@
                 <a:latin typeface="Segoe UI Light" panose="020B0502040204020203" pitchFamily="34" charset="0"/>
                 <a:cs typeface="Segoe UI Light" panose="020B0502040204020203" pitchFamily="34" charset="0"/>
               </a:rPr>
-              <a:t>Use Privacy in Learning Systems</a:t>
+              <a:t>Summary</a:t>
             </a:r>
           </a:p>
         </p:txBody>
@@ -10323,7 +10323,7 @@
         </p:nvSpPr>
         <p:spPr>
           <a:xfrm>
-            <a:off x="1095239" y="34397631"/>
+            <a:off x="1095103" y="34442400"/>
             <a:ext cx="12011297" cy="7817169"/>
           </a:xfrm>
           <a:prstGeom prst="rect">
@@ -10499,12 +10499,67 @@
             </a:lvl9pPr>
           </a:lstStyle>
           <a:p>
-            <a:pPr marL="0" lvl="0" indent="0" fontAlgn="auto">
+            <a:pPr fontAlgn="auto">
+              <a:lnSpc>
+                <a:spcPct val="100000"/>
+              </a:lnSpc>
               <a:spcAft>
                 <a:spcPts val="0"/>
               </a:spcAft>
-              <a:buNone/>
             </a:pPr>
+            <a:endParaRPr lang="en-US" sz="4800" dirty="0">
+              <a:solidFill>
+                <a:sysClr val="windowText" lastClr="000000"/>
+              </a:solidFill>
+              <a:latin typeface="Segoe UI" panose="020B0502040204020203" pitchFamily="34" charset="0"/>
+              <a:cs typeface="Segoe UI" panose="020B0502040204020203" pitchFamily="34" charset="0"/>
+            </a:endParaRPr>
+          </a:p>
+          <a:p>
+            <a:pPr fontAlgn="auto">
+              <a:lnSpc>
+                <a:spcPct val="100000"/>
+              </a:lnSpc>
+              <a:spcAft>
+                <a:spcPts val="0"/>
+              </a:spcAft>
+            </a:pPr>
+            <a:r>
+              <a:rPr lang="en-US" sz="4800" dirty="0">
+                <a:solidFill>
+                  <a:sysClr val="windowText" lastClr="000000"/>
+                </a:solidFill>
+                <a:latin typeface="Segoe UI" panose="020B0502040204020203" pitchFamily="34" charset="0"/>
+                <a:cs typeface="Segoe UI" panose="020B0502040204020203" pitchFamily="34" charset="0"/>
+              </a:rPr>
+              <a:t> </a:t>
+            </a:r>
+            <a:r>
+              <a:rPr lang="en-US" sz="4800" dirty="0">
+                <a:solidFill>
+                  <a:srgbClr val="C00000"/>
+                </a:solidFill>
+                <a:latin typeface="Segoe UI" panose="020B0502040204020203" pitchFamily="34" charset="0"/>
+                <a:cs typeface="Segoe UI" panose="020B0502040204020203" pitchFamily="34" charset="0"/>
+              </a:rPr>
+              <a:t>U</a:t>
+            </a:r>
+            <a:r>
+              <a:rPr kumimoji="0" lang="en-US" sz="4800" i="0" u="none" strike="noStrike" kern="1200" cap="none" spc="0" normalizeH="0" baseline="0" noProof="0" dirty="0">
+                <a:ln>
+                  <a:noFill/>
+                </a:ln>
+                <a:solidFill>
+                  <a:srgbClr val="C00000"/>
+                </a:solidFill>
+                <a:effectLst/>
+                <a:uLnTx/>
+                <a:uFillTx/>
+                <a:latin typeface="Segoe UI" panose="020B0502040204020203" pitchFamily="34" charset="0"/>
+                <a:cs typeface="Segoe UI" panose="020B0502040204020203" pitchFamily="34" charset="0"/>
+              </a:rPr>
+              <a:t>se Privacy</a:t>
+            </a:r>
             <a:r>
               <a:rPr kumimoji="0" lang="en-US" sz="4800" b="0" i="0" u="none" strike="noStrike" kern="1200" cap="none" spc="0" normalizeH="0" baseline="0" noProof="0" dirty="0">
                 <a:ln>
@@ -10519,7 +10574,17 @@
                 <a:latin typeface="Segoe UI" panose="020B0502040204020203" pitchFamily="34" charset="0"/>
                 <a:cs typeface="Segoe UI" panose="020B0502040204020203" pitchFamily="34" charset="0"/>
               </a:rPr>
-              <a:t>Restrict</a:t>
+              <a:t> </a:t>
+            </a:r>
+            <a:r>
+              <a:rPr lang="en-US" sz="4800" dirty="0">
+                <a:solidFill>
+                  <a:sysClr val="windowText" lastClr="000000"/>
+                </a:solidFill>
+                <a:latin typeface="Segoe UI" panose="020B0502040204020203" pitchFamily="34" charset="0"/>
+                <a:cs typeface="Segoe UI" panose="020B0502040204020203" pitchFamily="34" charset="0"/>
+              </a:rPr>
+              <a:t>restricts</a:t>
             </a:r>
             <a:r>
               <a:rPr kumimoji="0" lang="en-US" sz="4800" b="0" i="0" u="none" strike="noStrike" kern="1200" cap="none" spc="0" normalizeH="0" noProof="0" dirty="0">
@@ -10538,6 +10603,16 @@
               <a:t> </a:t>
             </a:r>
             <a:r>
+              <a:rPr lang="en-US" sz="4800" noProof="0" dirty="0">
+                <a:solidFill>
+                  <a:sysClr val="windowText" lastClr="000000"/>
+                </a:solidFill>
+                <a:latin typeface="Segoe UI" panose="020B0502040204020203" pitchFamily="34" charset="0"/>
+                <a:cs typeface="Segoe UI" panose="020B0502040204020203" pitchFamily="34" charset="0"/>
+              </a:rPr>
+              <a:t>use </a:t>
+            </a:r>
+            <a:r>
               <a:rPr lang="en-US" sz="4800" dirty="0">
                 <a:solidFill>
                   <a:sysClr val="windowText" lastClr="000000"/>
@@ -10548,7 +10623,7 @@
               <a:t>(</a:t>
             </a:r>
             <a:r>
-              <a:rPr lang="en-US" sz="4800" b="1" i="1" dirty="0">
+              <a:rPr lang="en-US" sz="4800" i="1" dirty="0">
                 <a:solidFill>
                   <a:sysClr val="windowText" lastClr="000000"/>
                 </a:solidFill>
@@ -10568,16 +10643,6 @@
               <a:t> or </a:t>
             </a:r>
             <a:r>
-              <a:rPr lang="en-US" sz="4800" b="1" i="1" dirty="0">
-                <a:solidFill>
-                  <a:sysClr val="windowText" lastClr="000000"/>
-                </a:solidFill>
-                <a:latin typeface="Segoe UI" panose="020B0502040204020203" pitchFamily="34" charset="0"/>
-                <a:cs typeface="Segoe UI" panose="020B0502040204020203" pitchFamily="34" charset="0"/>
-              </a:rPr>
-              <a:t>proxy</a:t>
-            </a:r>
-            <a:r>
               <a:rPr lang="en-US" sz="4800" i="1" dirty="0">
                 <a:solidFill>
                   <a:sysClr val="windowText" lastClr="000000"/>
@@ -10585,7 +10650,7 @@
                 <a:latin typeface="Segoe UI" panose="020B0502040204020203" pitchFamily="34" charset="0"/>
                 <a:cs typeface="Segoe UI" panose="020B0502040204020203" pitchFamily="34" charset="0"/>
               </a:rPr>
-              <a:t>) </a:t>
+              <a:t>proxy)</a:t>
             </a:r>
             <a:r>
               <a:rPr lang="en-US" sz="4800" noProof="0" dirty="0">
@@ -10595,7 +10660,7 @@
                 <a:latin typeface="Segoe UI" panose="020B0502040204020203" pitchFamily="34" charset="0"/>
                 <a:cs typeface="Segoe UI" panose="020B0502040204020203" pitchFamily="34" charset="0"/>
               </a:rPr>
-              <a:t>use of </a:t>
+              <a:t> of </a:t>
             </a:r>
             <a:r>
               <a:rPr kumimoji="0" lang="en-US" sz="4800" b="0" i="0" u="none" strike="noStrike" kern="1200" cap="none" spc="0" normalizeH="0" baseline="0" noProof="0" dirty="0">
@@ -10614,13 +10679,10 @@
               <a:t>protected information type for </a:t>
             </a:r>
             <a:r>
-              <a:rPr kumimoji="0" lang="en-US" sz="4800" b="0" i="0" u="none" strike="noStrike" kern="1200" cap="none" spc="0" normalizeH="0" baseline="0" noProof="0" dirty="0">
+              <a:rPr kumimoji="0" lang="en-US" sz="4800" b="0" i="1" u="none" strike="noStrike" kern="1200" cap="none" spc="0" normalizeH="0" baseline="0" noProof="0" dirty="0">
                 <a:ln>
                   <a:noFill/>
                 </a:ln>
-                <a:solidFill>
-                  <a:srgbClr val="C00000"/>
-                </a:solidFill>
                 <a:effectLst/>
                 <a:uLnTx/>
                 <a:uFillTx/>
@@ -10646,13 +10708,10 @@
               <a:t> with </a:t>
             </a:r>
             <a:r>
-              <a:rPr kumimoji="0" lang="en-US" sz="4800" b="0" i="0" u="none" strike="noStrike" kern="1200" cap="none" spc="0" normalizeH="0" baseline="0" noProof="0" dirty="0">
+              <a:rPr kumimoji="0" lang="en-US" sz="4800" b="0" i="1" u="none" strike="noStrike" kern="1200" cap="none" spc="0" normalizeH="0" baseline="0" noProof="0" dirty="0">
                 <a:ln>
                   <a:noFill/>
                 </a:ln>
-                <a:solidFill>
-                  <a:srgbClr val="C00000"/>
-                </a:solidFill>
                 <a:effectLst/>
                 <a:uLnTx/>
                 <a:uFillTx/>
@@ -10663,246 +10722,61 @@
             </a:r>
           </a:p>
           <a:p>
-            <a:pPr marL="0" marR="0" lvl="0" indent="0" algn="l" defTabSz="685800" rtl="0" eaLnBrk="1" fontAlgn="auto" latinLnBrk="0" hangingPunct="1">
+            <a:pPr marL="0" indent="0" fontAlgn="auto">
               <a:lnSpc>
-                <a:spcPct val="90000"/>
+                <a:spcPct val="100000"/>
               </a:lnSpc>
-              <a:spcBef>
-                <a:spcPts val="750"/>
-              </a:spcBef>
-              <a:spcAft>
-                <a:spcPts val="0"/>
-              </a:spcAft>
-              <a:buClrTx/>
-              <a:buSzTx/>
-              <a:buNone/>
-              <a:tabLst/>
-              <a:defRPr/>
-            </a:pPr>
-            <a:endParaRPr kumimoji="0" lang="en-US" sz="3200" b="0" i="0" u="none" strike="noStrike" kern="1200" cap="none" spc="0" normalizeH="0" baseline="0" noProof="0" dirty="0">
-              <a:ln>
-                <a:noFill/>
-              </a:ln>
-              <a:solidFill>
-                <a:sysClr val="windowText" lastClr="000000"/>
-              </a:solidFill>
-              <a:effectLst/>
-              <a:uLnTx/>
-              <a:uFillTx/>
-              <a:latin typeface="Segoe UI Light" panose="020B0502040204020203" pitchFamily="34" charset="0"/>
-              <a:cs typeface="Segoe UI Light" panose="020B0502040204020203" pitchFamily="34" charset="0"/>
-            </a:endParaRPr>
-          </a:p>
-          <a:p>
-            <a:pPr marL="0" marR="0" lvl="0" indent="0" algn="l" defTabSz="685800" rtl="0" eaLnBrk="1" fontAlgn="auto" latinLnBrk="0" hangingPunct="1">
-              <a:lnSpc>
-                <a:spcPct val="90000"/>
-              </a:lnSpc>
-              <a:spcBef>
-                <a:spcPts val="750"/>
-              </a:spcBef>
-              <a:spcAft>
-                <a:spcPts val="0"/>
-              </a:spcAft>
-              <a:buClrTx/>
-              <a:buSzTx/>
-              <a:buNone/>
-              <a:tabLst/>
-              <a:defRPr/>
-            </a:pPr>
-            <a:endParaRPr kumimoji="0" lang="en-US" sz="3200" b="0" i="0" u="none" strike="noStrike" kern="1200" cap="none" spc="0" normalizeH="0" baseline="0" noProof="0" dirty="0">
-              <a:ln>
-                <a:noFill/>
-              </a:ln>
-              <a:solidFill>
-                <a:sysClr val="windowText" lastClr="000000"/>
-              </a:solidFill>
-              <a:effectLst/>
-              <a:uLnTx/>
-              <a:uFillTx/>
-              <a:latin typeface="Segoe UI Light" panose="020B0502040204020203" pitchFamily="34" charset="0"/>
-              <a:cs typeface="Segoe UI Light" panose="020B0502040204020203" pitchFamily="34" charset="0"/>
-            </a:endParaRPr>
-          </a:p>
-          <a:p>
-            <a:pPr marL="0" marR="0" lvl="0" indent="0" algn="l" defTabSz="685800" rtl="0" eaLnBrk="1" fontAlgn="auto" latinLnBrk="0" hangingPunct="1">
-              <a:lnSpc>
-                <a:spcPct val="90000"/>
-              </a:lnSpc>
-              <a:spcBef>
-                <a:spcPts val="750"/>
-              </a:spcBef>
-              <a:spcAft>
-                <a:spcPts val="0"/>
-              </a:spcAft>
-              <a:buClrTx/>
-              <a:buSzTx/>
-              <a:buNone/>
-              <a:tabLst/>
-              <a:defRPr/>
-            </a:pPr>
-            <a:r>
-              <a:rPr lang="en-US" sz="4000" noProof="0" dirty="0">
-                <a:solidFill>
-                  <a:sysClr val="windowText" lastClr="000000"/>
-                </a:solidFill>
-                <a:latin typeface="Segoe UI Light" panose="020B0502040204020203" pitchFamily="34" charset="0"/>
-                <a:cs typeface="Segoe UI Light" panose="020B0502040204020203" pitchFamily="34" charset="0"/>
-              </a:rPr>
-              <a:t>For example,</a:t>
-            </a:r>
-            <a:endParaRPr kumimoji="0" lang="en-US" sz="4000" b="0" i="0" u="none" strike="noStrike" kern="1200" cap="none" spc="0" normalizeH="0" baseline="0" noProof="0" dirty="0">
-              <a:ln>
-                <a:noFill/>
-              </a:ln>
-              <a:solidFill>
-                <a:sysClr val="windowText" lastClr="000000"/>
-              </a:solidFill>
-              <a:effectLst/>
-              <a:uLnTx/>
-              <a:uFillTx/>
-              <a:latin typeface="Segoe UI Light" panose="020B0502040204020203" pitchFamily="34" charset="0"/>
-              <a:cs typeface="Segoe UI Light" panose="020B0502040204020203" pitchFamily="34" charset="0"/>
-            </a:endParaRPr>
-          </a:p>
-          <a:p>
-            <a:pPr fontAlgn="auto">
-              <a:spcBef>
-                <a:spcPts val="375"/>
-              </a:spcBef>
-              <a:spcAft>
-                <a:spcPts val="0"/>
-              </a:spcAft>
-            </a:pPr>
-            <a:r>
-              <a:rPr kumimoji="0" lang="en-US" sz="3600" b="0" i="0" u="none" strike="noStrike" kern="1200" cap="none" spc="0" normalizeH="0" baseline="0" noProof="0" dirty="0">
-                <a:ln>
-                  <a:noFill/>
-                </a:ln>
-                <a:solidFill>
-                  <a:sysClr val="windowText" lastClr="000000"/>
-                </a:solidFill>
-                <a:effectLst/>
-                <a:uLnTx/>
-                <a:uFillTx/>
-                <a:latin typeface="Segoe UI Light" panose="020B0502040204020203" pitchFamily="34" charset="0"/>
-                <a:cs typeface="Segoe UI Light" panose="020B0502040204020203" pitchFamily="34" charset="0"/>
-              </a:rPr>
-              <a:t> Do not use individual’s health information for purposes other than those of </a:t>
-            </a:r>
-            <a:r>
-              <a:rPr kumimoji="0" lang="en-US" sz="3600" b="0" i="1" u="none" strike="noStrike" kern="1200" cap="none" spc="0" normalizeH="0" baseline="0" noProof="0" dirty="0">
-                <a:ln>
-                  <a:noFill/>
-                </a:ln>
-                <a:solidFill>
-                  <a:srgbClr val="C00000"/>
-                </a:solidFill>
-                <a:effectLst/>
-                <a:uLnTx/>
-                <a:uFillTx/>
-                <a:latin typeface="Segoe UI Light" panose="020B0502040204020203" pitchFamily="34" charset="0"/>
-                <a:cs typeface="Segoe UI Light" panose="020B0502040204020203" pitchFamily="34" charset="0"/>
-              </a:rPr>
-              <a:t>[healthcare context]</a:t>
-            </a:r>
-            <a:r>
-              <a:rPr kumimoji="0" lang="en-US" sz="3600" b="0" i="0" u="none" strike="noStrike" kern="1200" cap="none" spc="0" normalizeH="0" baseline="0" noProof="0" dirty="0">
-                <a:ln>
-                  <a:noFill/>
-                </a:ln>
-                <a:solidFill>
-                  <a:sysClr val="windowText" lastClr="000000"/>
-                </a:solidFill>
-                <a:effectLst/>
-                <a:uLnTx/>
-                <a:uFillTx/>
-                <a:latin typeface="Segoe UI Light" panose="020B0502040204020203" pitchFamily="34" charset="0"/>
-                <a:cs typeface="Segoe UI Light" panose="020B0502040204020203" pitchFamily="34" charset="0"/>
-              </a:rPr>
-              <a:t>; exceptions for </a:t>
-            </a:r>
-            <a:r>
-              <a:rPr kumimoji="0" lang="en-US" sz="3600" b="0" i="1" u="none" strike="noStrike" kern="1200" cap="none" spc="0" normalizeH="0" baseline="0" noProof="0" dirty="0">
-                <a:ln>
-                  <a:noFill/>
-                </a:ln>
-                <a:solidFill>
-                  <a:srgbClr val="C00000"/>
-                </a:solidFill>
-                <a:effectLst/>
-                <a:uLnTx/>
-                <a:uFillTx/>
-                <a:latin typeface="Segoe UI Light" panose="020B0502040204020203" pitchFamily="34" charset="0"/>
-                <a:cs typeface="Segoe UI Light" panose="020B0502040204020203" pitchFamily="34" charset="0"/>
-              </a:rPr>
-              <a:t>[law enforcement]</a:t>
-            </a:r>
-          </a:p>
-          <a:p>
-            <a:pPr marL="0" indent="0" fontAlgn="auto">
-              <a:spcBef>
-                <a:spcPts val="375"/>
-              </a:spcBef>
               <a:spcAft>
                 <a:spcPts val="0"/>
               </a:spcAft>
               <a:buNone/>
             </a:pPr>
-            <a:endParaRPr lang="en-US" sz="3600" i="1" dirty="0">
-              <a:latin typeface="Segoe UI Light" panose="020B0502040204020203" pitchFamily="34" charset="0"/>
-              <a:cs typeface="Segoe UI Light" panose="020B0502040204020203" pitchFamily="34" charset="0"/>
+            <a:endParaRPr lang="en-US" sz="4800" dirty="0">
+              <a:solidFill>
+                <a:sysClr val="windowText" lastClr="000000"/>
+              </a:solidFill>
+              <a:latin typeface="Segoe UI" panose="020B0502040204020203" pitchFamily="34" charset="0"/>
+              <a:cs typeface="Segoe UI" panose="020B0502040204020203" pitchFamily="34" charset="0"/>
             </a:endParaRPr>
           </a:p>
           <a:p>
-            <a:pPr marL="0" indent="0" fontAlgn="auto">
-              <a:spcBef>
-                <a:spcPts val="375"/>
-              </a:spcBef>
+            <a:pPr fontAlgn="auto">
+              <a:lnSpc>
+                <a:spcPct val="100000"/>
+              </a:lnSpc>
               <a:spcAft>
                 <a:spcPts val="0"/>
               </a:spcAft>
-              <a:buNone/>
             </a:pPr>
-            <a:endParaRPr lang="en-US" sz="3600" i="1" dirty="0">
-              <a:latin typeface="Segoe UI Light" panose="020B0502040204020203" pitchFamily="34" charset="0"/>
-              <a:cs typeface="Segoe UI Light" panose="020B0502040204020203" pitchFamily="34" charset="0"/>
-            </a:endParaRPr>
-          </a:p>
-          <a:p>
-            <a:pPr marL="0" indent="0" algn="r" fontAlgn="auto">
-              <a:spcBef>
-                <a:spcPts val="375"/>
-              </a:spcBef>
+            <a:r>
+              <a:rPr lang="en-US" sz="4800" dirty="0">
+                <a:solidFill>
+                  <a:sysClr val="windowText" lastClr="000000"/>
+                </a:solidFill>
+                <a:latin typeface="Segoe UI" panose="020B0502040204020203" pitchFamily="34" charset="0"/>
+                <a:cs typeface="Segoe UI" panose="020B0502040204020203" pitchFamily="34" charset="0"/>
+              </a:rPr>
+              <a:t> We implemented a software tool for detection and repair of use violations</a:t>
+            </a:r>
+          </a:p>
+          <a:p>
+            <a:pPr lvl="1" fontAlgn="auto">
+              <a:lnSpc>
+                <a:spcPct val="100000"/>
+              </a:lnSpc>
               <a:spcAft>
                 <a:spcPts val="0"/>
               </a:spcAft>
-              <a:buNone/>
             </a:pPr>
             <a:r>
-              <a:rPr lang="en-US" sz="3600" b="1" dirty="0">
-                <a:latin typeface="Segoe UI Light" panose="020B0502040204020203" pitchFamily="34" charset="0"/>
-                <a:cs typeface="Segoe UI Light" panose="020B0502040204020203" pitchFamily="34" charset="0"/>
+              <a:rPr lang="en-US" sz="4000" dirty="0">
+                <a:solidFill>
+                  <a:sysClr val="windowText" lastClr="000000"/>
+                </a:solidFill>
+                <a:latin typeface="Segoe UI" panose="020B0502040204020203" pitchFamily="34" charset="0"/>
+                <a:cs typeface="Segoe UI" panose="020B0502040204020203" pitchFamily="34" charset="0"/>
               </a:rPr>
-              <a:t>... predefined norm (or oracle) on</a:t>
-            </a:r>
-          </a:p>
-          <a:p>
-            <a:pPr marL="0" indent="0" algn="r" fontAlgn="auto">
-              <a:spcBef>
-                <a:spcPts val="375"/>
-              </a:spcBef>
-              <a:spcAft>
-                <a:spcPts val="0"/>
-              </a:spcAft>
-              <a:buNone/>
-            </a:pPr>
-            <a:r>
-              <a:rPr lang="en-US" sz="3600" b="1" dirty="0">
-                <a:latin typeface="Segoe UI Light" panose="020B0502040204020203" pitchFamily="34" charset="0"/>
-                <a:cs typeface="Segoe UI Light" panose="020B0502040204020203" pitchFamily="34" charset="0"/>
-              </a:rPr>
-              <a:t>purposes / exceptions required</a:t>
+              <a:t> Experimental validations with a few real dataset</a:t>
             </a:r>
           </a:p>
         </p:txBody>
@@ -11838,8 +11712,8 @@
         </p:nvSpPr>
         <p:spPr>
           <a:xfrm>
-            <a:off x="6028098" y="29533151"/>
-            <a:ext cx="500458" cy="646331"/>
+            <a:off x="5943600" y="29533151"/>
+            <a:ext cx="583814" cy="769441"/>
           </a:xfrm>
           <a:prstGeom prst="rect">
             <a:avLst/>
@@ -11861,7 +11735,7 @@
               </a:spcAft>
             </a:pPr>
             <a:r>
-              <a:rPr lang="en-US" sz="3600" dirty="0">
+              <a:rPr lang="en-US" sz="4400" b="1" dirty="0">
                 <a:solidFill>
                   <a:prstClr val="black"/>
                 </a:solidFill>
@@ -11870,6 +11744,13 @@
               </a:rPr>
               <a:t>~</a:t>
             </a:r>
+            <a:endParaRPr lang="en-US" sz="3600" b="1" dirty="0">
+              <a:solidFill>
+                <a:prstClr val="black"/>
+              </a:solidFill>
+              <a:latin typeface="Segoe UI"/>
+              <a:ea typeface="+mn-ea"/>
+            </a:endParaRPr>
           </a:p>
         </p:txBody>
       </p:sp>
@@ -12709,8 +12590,8 @@
         </p:nvSpPr>
         <p:spPr>
           <a:xfrm>
-            <a:off x="21673742" y="29544489"/>
-            <a:ext cx="500458" cy="646331"/>
+            <a:off x="21590386" y="29544489"/>
+            <a:ext cx="583814" cy="769441"/>
           </a:xfrm>
           <a:prstGeom prst="rect">
             <a:avLst/>
@@ -12732,7 +12613,7 @@
               </a:spcAft>
             </a:pPr>
             <a:r>
-              <a:rPr lang="en-US" sz="3600" dirty="0">
+              <a:rPr lang="en-US" sz="4400" b="1" dirty="0">
                 <a:solidFill>
                   <a:prstClr val="black"/>
                 </a:solidFill>
@@ -12741,6 +12622,13 @@
               </a:rPr>
               <a:t>~</a:t>
             </a:r>
+            <a:endParaRPr lang="en-US" sz="3600" b="1" dirty="0">
+              <a:solidFill>
+                <a:prstClr val="black"/>
+              </a:solidFill>
+              <a:latin typeface="Segoe UI"/>
+              <a:ea typeface="+mn-ea"/>
+            </a:endParaRPr>
           </a:p>
         </p:txBody>
       </p:sp>
